--- a/XGBOD-Seminar/XGBOD-Seminar_old2.pptx
+++ b/XGBOD-Seminar/XGBOD-Seminar_old2.pptx
@@ -17,8 +17,8 @@
     <p:sldId id="276" r:id="rId8"/>
     <p:sldId id="277" r:id="rId9"/>
     <p:sldId id="278" r:id="rId10"/>
-    <p:sldId id="279" r:id="rId11"/>
-    <p:sldId id="280" r:id="rId12"/>
+    <p:sldId id="280" r:id="rId11"/>
+    <p:sldId id="279" r:id="rId12"/>
     <p:sldId id="288" r:id="rId13"/>
     <p:sldId id="281" r:id="rId14"/>
     <p:sldId id="282" r:id="rId15"/>
@@ -540,7 +540,7 @@
           <a:bodyPr/>
           <a:lstStyle/>
           <a:p>
-            <a:endParaRPr lang="pt-BR" dirty="0"/>
+            <a:endParaRPr lang="pt-BR"/>
           </a:p>
         </p:txBody>
       </p:sp>
@@ -561,7 +561,7 @@
           <a:p>
             <a:fld id="{463941E7-EB35-4884-B9D7-7CF822459A30}" type="slidenum">
               <a:rPr lang="pt-BR" smtClean="0"/>
-              <a:t>6</a:t>
+              <a:t>1</a:t>
             </a:fld>
             <a:endParaRPr lang="pt-BR"/>
           </a:p>
@@ -570,7 +570,7 @@
     </p:spTree>
     <p:extLst>
       <p:ext uri="{BB962C8B-B14F-4D97-AF65-F5344CB8AC3E}">
-        <p14:creationId xmlns:p14="http://schemas.microsoft.com/office/powerpoint/2010/main" val="1426869845"/>
+        <p14:creationId xmlns:p14="http://schemas.microsoft.com/office/powerpoint/2010/main" val="1391313075"/>
       </p:ext>
     </p:extLst>
   </p:cSld>
@@ -645,7 +645,7 @@
           <a:p>
             <a:fld id="{463941E7-EB35-4884-B9D7-7CF822459A30}" type="slidenum">
               <a:rPr lang="pt-BR" smtClean="0"/>
-              <a:t>15</a:t>
+              <a:t>10</a:t>
             </a:fld>
             <a:endParaRPr lang="pt-BR"/>
           </a:p>
@@ -654,7 +654,7 @@
     </p:spTree>
     <p:extLst>
       <p:ext uri="{BB962C8B-B14F-4D97-AF65-F5344CB8AC3E}">
-        <p14:creationId xmlns:p14="http://schemas.microsoft.com/office/powerpoint/2010/main" val="2125570466"/>
+        <p14:creationId xmlns:p14="http://schemas.microsoft.com/office/powerpoint/2010/main" val="3231568235"/>
       </p:ext>
     </p:extLst>
   </p:cSld>
@@ -729,7 +729,7 @@
           <a:p>
             <a:fld id="{463941E7-EB35-4884-B9D7-7CF822459A30}" type="slidenum">
               <a:rPr lang="pt-BR" smtClean="0"/>
-              <a:t>16</a:t>
+              <a:t>11</a:t>
             </a:fld>
             <a:endParaRPr lang="pt-BR"/>
           </a:p>
@@ -738,7 +738,7 @@
     </p:spTree>
     <p:extLst>
       <p:ext uri="{BB962C8B-B14F-4D97-AF65-F5344CB8AC3E}">
-        <p14:creationId xmlns:p14="http://schemas.microsoft.com/office/powerpoint/2010/main" val="3570941346"/>
+        <p14:creationId xmlns:p14="http://schemas.microsoft.com/office/powerpoint/2010/main" val="2445385559"/>
       </p:ext>
     </p:extLst>
   </p:cSld>
@@ -813,7 +813,7 @@
           <a:p>
             <a:fld id="{463941E7-EB35-4884-B9D7-7CF822459A30}" type="slidenum">
               <a:rPr lang="pt-BR" smtClean="0"/>
-              <a:t>17</a:t>
+              <a:t>12</a:t>
             </a:fld>
             <a:endParaRPr lang="pt-BR"/>
           </a:p>
@@ -822,7 +822,7 @@
     </p:spTree>
     <p:extLst>
       <p:ext uri="{BB962C8B-B14F-4D97-AF65-F5344CB8AC3E}">
-        <p14:creationId xmlns:p14="http://schemas.microsoft.com/office/powerpoint/2010/main" val="959605358"/>
+        <p14:creationId xmlns:p14="http://schemas.microsoft.com/office/powerpoint/2010/main" val="1883096401"/>
       </p:ext>
     </p:extLst>
   </p:cSld>
@@ -897,7 +897,7 @@
           <a:p>
             <a:fld id="{463941E7-EB35-4884-B9D7-7CF822459A30}" type="slidenum">
               <a:rPr lang="pt-BR" smtClean="0"/>
-              <a:t>18</a:t>
+              <a:t>13</a:t>
             </a:fld>
             <a:endParaRPr lang="pt-BR"/>
           </a:p>
@@ -906,7 +906,7 @@
     </p:spTree>
     <p:extLst>
       <p:ext uri="{BB962C8B-B14F-4D97-AF65-F5344CB8AC3E}">
-        <p14:creationId xmlns:p14="http://schemas.microsoft.com/office/powerpoint/2010/main" val="3406229403"/>
+        <p14:creationId xmlns:p14="http://schemas.microsoft.com/office/powerpoint/2010/main" val="503574914"/>
       </p:ext>
     </p:extLst>
   </p:cSld>
@@ -981,7 +981,7 @@
           <a:p>
             <a:fld id="{463941E7-EB35-4884-B9D7-7CF822459A30}" type="slidenum">
               <a:rPr lang="pt-BR" smtClean="0"/>
-              <a:t>19</a:t>
+              <a:t>14</a:t>
             </a:fld>
             <a:endParaRPr lang="pt-BR"/>
           </a:p>
@@ -990,7 +990,7 @@
     </p:spTree>
     <p:extLst>
       <p:ext uri="{BB962C8B-B14F-4D97-AF65-F5344CB8AC3E}">
-        <p14:creationId xmlns:p14="http://schemas.microsoft.com/office/powerpoint/2010/main" val="3781951231"/>
+        <p14:creationId xmlns:p14="http://schemas.microsoft.com/office/powerpoint/2010/main" val="2784043417"/>
       </p:ext>
     </p:extLst>
   </p:cSld>
@@ -1065,7 +1065,7 @@
           <a:p>
             <a:fld id="{463941E7-EB35-4884-B9D7-7CF822459A30}" type="slidenum">
               <a:rPr lang="pt-BR" smtClean="0"/>
-              <a:t>23</a:t>
+              <a:t>15</a:t>
             </a:fld>
             <a:endParaRPr lang="pt-BR"/>
           </a:p>
@@ -1074,7 +1074,7 @@
     </p:spTree>
     <p:extLst>
       <p:ext uri="{BB962C8B-B14F-4D97-AF65-F5344CB8AC3E}">
-        <p14:creationId xmlns:p14="http://schemas.microsoft.com/office/powerpoint/2010/main" val="4055491837"/>
+        <p14:creationId xmlns:p14="http://schemas.microsoft.com/office/powerpoint/2010/main" val="2125570466"/>
       </p:ext>
     </p:extLst>
   </p:cSld>
@@ -1149,7 +1149,7 @@
           <a:p>
             <a:fld id="{463941E7-EB35-4884-B9D7-7CF822459A30}" type="slidenum">
               <a:rPr lang="pt-BR" smtClean="0"/>
-              <a:t>24</a:t>
+              <a:t>16</a:t>
             </a:fld>
             <a:endParaRPr lang="pt-BR"/>
           </a:p>
@@ -1158,7 +1158,7 @@
     </p:spTree>
     <p:extLst>
       <p:ext uri="{BB962C8B-B14F-4D97-AF65-F5344CB8AC3E}">
-        <p14:creationId xmlns:p14="http://schemas.microsoft.com/office/powerpoint/2010/main" val="3019117353"/>
+        <p14:creationId xmlns:p14="http://schemas.microsoft.com/office/powerpoint/2010/main" val="3570941346"/>
       </p:ext>
     </p:extLst>
   </p:cSld>
@@ -1233,7 +1233,7 @@
           <a:p>
             <a:fld id="{463941E7-EB35-4884-B9D7-7CF822459A30}" type="slidenum">
               <a:rPr lang="pt-BR" smtClean="0"/>
-              <a:t>26</a:t>
+              <a:t>17</a:t>
             </a:fld>
             <a:endParaRPr lang="pt-BR"/>
           </a:p>
@@ -1242,7 +1242,7 @@
     </p:spTree>
     <p:extLst>
       <p:ext uri="{BB962C8B-B14F-4D97-AF65-F5344CB8AC3E}">
-        <p14:creationId xmlns:p14="http://schemas.microsoft.com/office/powerpoint/2010/main" val="1143299033"/>
+        <p14:creationId xmlns:p14="http://schemas.microsoft.com/office/powerpoint/2010/main" val="959605358"/>
       </p:ext>
     </p:extLst>
   </p:cSld>
@@ -1317,7 +1317,7 @@
           <a:p>
             <a:fld id="{463941E7-EB35-4884-B9D7-7CF822459A30}" type="slidenum">
               <a:rPr lang="pt-BR" smtClean="0"/>
-              <a:t>27</a:t>
+              <a:t>18</a:t>
             </a:fld>
             <a:endParaRPr lang="pt-BR"/>
           </a:p>
@@ -1326,7 +1326,91 @@
     </p:spTree>
     <p:extLst>
       <p:ext uri="{BB962C8B-B14F-4D97-AF65-F5344CB8AC3E}">
-        <p14:creationId xmlns:p14="http://schemas.microsoft.com/office/powerpoint/2010/main" val="1478315106"/>
+        <p14:creationId xmlns:p14="http://schemas.microsoft.com/office/powerpoint/2010/main" val="3406229403"/>
+      </p:ext>
+    </p:extLst>
+  </p:cSld>
+  <p:clrMapOvr>
+    <a:masterClrMapping/>
+  </p:clrMapOvr>
+</p:notes>
+</file>
+
+<file path=ppt/notesSlides/notesSlide19.xml><?xml version="1.0" encoding="utf-8"?>
+<p:notes xmlns:a="http://schemas.openxmlformats.org/drawingml/2006/main" xmlns:r="http://schemas.openxmlformats.org/officeDocument/2006/relationships" xmlns:p="http://schemas.openxmlformats.org/presentationml/2006/main">
+  <p:cSld>
+    <p:spTree>
+      <p:nvGrpSpPr>
+        <p:cNvPr id="1" name=""/>
+        <p:cNvGrpSpPr/>
+        <p:nvPr/>
+      </p:nvGrpSpPr>
+      <p:grpSpPr>
+        <a:xfrm>
+          <a:off x="0" y="0"/>
+          <a:ext cx="0" cy="0"/>
+          <a:chOff x="0" y="0"/>
+          <a:chExt cx="0" cy="0"/>
+        </a:xfrm>
+      </p:grpSpPr>
+      <p:sp>
+        <p:nvSpPr>
+          <p:cNvPr id="2" name="Espaço Reservado para Imagem de Slide 1"/>
+          <p:cNvSpPr>
+            <a:spLocks noGrp="1" noRot="1" noChangeAspect="1"/>
+          </p:cNvSpPr>
+          <p:nvPr>
+            <p:ph type="sldImg"/>
+          </p:nvPr>
+        </p:nvSpPr>
+        <p:spPr/>
+      </p:sp>
+      <p:sp>
+        <p:nvSpPr>
+          <p:cNvPr id="3" name="Espaço Reservado para Anotações 2"/>
+          <p:cNvSpPr>
+            <a:spLocks noGrp="1"/>
+          </p:cNvSpPr>
+          <p:nvPr>
+            <p:ph type="body" idx="1"/>
+          </p:nvPr>
+        </p:nvSpPr>
+        <p:spPr/>
+        <p:txBody>
+          <a:bodyPr/>
+          <a:lstStyle/>
+          <a:p>
+            <a:endParaRPr lang="pt-BR" dirty="0"/>
+          </a:p>
+        </p:txBody>
+      </p:sp>
+      <p:sp>
+        <p:nvSpPr>
+          <p:cNvPr id="4" name="Espaço Reservado para Número de Slide 3"/>
+          <p:cNvSpPr>
+            <a:spLocks noGrp="1"/>
+          </p:cNvSpPr>
+          <p:nvPr>
+            <p:ph type="sldNum" sz="quarter" idx="10"/>
+          </p:nvPr>
+        </p:nvSpPr>
+        <p:spPr/>
+        <p:txBody>
+          <a:bodyPr/>
+          <a:lstStyle/>
+          <a:p>
+            <a:fld id="{463941E7-EB35-4884-B9D7-7CF822459A30}" type="slidenum">
+              <a:rPr lang="pt-BR" smtClean="0"/>
+              <a:t>19</a:t>
+            </a:fld>
+            <a:endParaRPr lang="pt-BR"/>
+          </a:p>
+        </p:txBody>
+      </p:sp>
+    </p:spTree>
+    <p:extLst>
+      <p:ext uri="{BB962C8B-B14F-4D97-AF65-F5344CB8AC3E}">
+        <p14:creationId xmlns:p14="http://schemas.microsoft.com/office/powerpoint/2010/main" val="3781951231"/>
       </p:ext>
     </p:extLst>
   </p:cSld>
@@ -1380,7 +1464,7 @@
           <a:bodyPr/>
           <a:lstStyle/>
           <a:p>
-            <a:endParaRPr lang="pt-BR" dirty="0"/>
+            <a:endParaRPr lang="pt-BR"/>
           </a:p>
         </p:txBody>
       </p:sp>
@@ -1401,7 +1485,7 @@
           <a:p>
             <a:fld id="{463941E7-EB35-4884-B9D7-7CF822459A30}" type="slidenum">
               <a:rPr lang="pt-BR" smtClean="0"/>
-              <a:t>7</a:t>
+              <a:t>2</a:t>
             </a:fld>
             <a:endParaRPr lang="pt-BR"/>
           </a:p>
@@ -1410,7 +1494,847 @@
     </p:spTree>
     <p:extLst>
       <p:ext uri="{BB962C8B-B14F-4D97-AF65-F5344CB8AC3E}">
-        <p14:creationId xmlns:p14="http://schemas.microsoft.com/office/powerpoint/2010/main" val="2046693402"/>
+        <p14:creationId xmlns:p14="http://schemas.microsoft.com/office/powerpoint/2010/main" val="1426654134"/>
+      </p:ext>
+    </p:extLst>
+  </p:cSld>
+  <p:clrMapOvr>
+    <a:masterClrMapping/>
+  </p:clrMapOvr>
+</p:notes>
+</file>
+
+<file path=ppt/notesSlides/notesSlide20.xml><?xml version="1.0" encoding="utf-8"?>
+<p:notes xmlns:a="http://schemas.openxmlformats.org/drawingml/2006/main" xmlns:r="http://schemas.openxmlformats.org/officeDocument/2006/relationships" xmlns:p="http://schemas.openxmlformats.org/presentationml/2006/main">
+  <p:cSld>
+    <p:spTree>
+      <p:nvGrpSpPr>
+        <p:cNvPr id="1" name=""/>
+        <p:cNvGrpSpPr/>
+        <p:nvPr/>
+      </p:nvGrpSpPr>
+      <p:grpSpPr>
+        <a:xfrm>
+          <a:off x="0" y="0"/>
+          <a:ext cx="0" cy="0"/>
+          <a:chOff x="0" y="0"/>
+          <a:chExt cx="0" cy="0"/>
+        </a:xfrm>
+      </p:grpSpPr>
+      <p:sp>
+        <p:nvSpPr>
+          <p:cNvPr id="2" name="Espaço Reservado para Imagem de Slide 1"/>
+          <p:cNvSpPr>
+            <a:spLocks noGrp="1" noRot="1" noChangeAspect="1"/>
+          </p:cNvSpPr>
+          <p:nvPr>
+            <p:ph type="sldImg"/>
+          </p:nvPr>
+        </p:nvSpPr>
+        <p:spPr/>
+      </p:sp>
+      <p:sp>
+        <p:nvSpPr>
+          <p:cNvPr id="3" name="Espaço Reservado para Anotações 2"/>
+          <p:cNvSpPr>
+            <a:spLocks noGrp="1"/>
+          </p:cNvSpPr>
+          <p:nvPr>
+            <p:ph type="body" idx="1"/>
+          </p:nvPr>
+        </p:nvSpPr>
+        <p:spPr/>
+        <p:txBody>
+          <a:bodyPr/>
+          <a:lstStyle/>
+          <a:p>
+            <a:endParaRPr lang="pt-BR"/>
+          </a:p>
+        </p:txBody>
+      </p:sp>
+      <p:sp>
+        <p:nvSpPr>
+          <p:cNvPr id="4" name="Espaço Reservado para Número de Slide 3"/>
+          <p:cNvSpPr>
+            <a:spLocks noGrp="1"/>
+          </p:cNvSpPr>
+          <p:nvPr>
+            <p:ph type="sldNum" sz="quarter" idx="10"/>
+          </p:nvPr>
+        </p:nvSpPr>
+        <p:spPr/>
+        <p:txBody>
+          <a:bodyPr/>
+          <a:lstStyle/>
+          <a:p>
+            <a:fld id="{463941E7-EB35-4884-B9D7-7CF822459A30}" type="slidenum">
+              <a:rPr lang="pt-BR" smtClean="0"/>
+              <a:t>20</a:t>
+            </a:fld>
+            <a:endParaRPr lang="pt-BR"/>
+          </a:p>
+        </p:txBody>
+      </p:sp>
+    </p:spTree>
+    <p:extLst>
+      <p:ext uri="{BB962C8B-B14F-4D97-AF65-F5344CB8AC3E}">
+        <p14:creationId xmlns:p14="http://schemas.microsoft.com/office/powerpoint/2010/main" val="2789504257"/>
+      </p:ext>
+    </p:extLst>
+  </p:cSld>
+  <p:clrMapOvr>
+    <a:masterClrMapping/>
+  </p:clrMapOvr>
+</p:notes>
+</file>
+
+<file path=ppt/notesSlides/notesSlide21.xml><?xml version="1.0" encoding="utf-8"?>
+<p:notes xmlns:a="http://schemas.openxmlformats.org/drawingml/2006/main" xmlns:r="http://schemas.openxmlformats.org/officeDocument/2006/relationships" xmlns:p="http://schemas.openxmlformats.org/presentationml/2006/main">
+  <p:cSld>
+    <p:spTree>
+      <p:nvGrpSpPr>
+        <p:cNvPr id="1" name=""/>
+        <p:cNvGrpSpPr/>
+        <p:nvPr/>
+      </p:nvGrpSpPr>
+      <p:grpSpPr>
+        <a:xfrm>
+          <a:off x="0" y="0"/>
+          <a:ext cx="0" cy="0"/>
+          <a:chOff x="0" y="0"/>
+          <a:chExt cx="0" cy="0"/>
+        </a:xfrm>
+      </p:grpSpPr>
+      <p:sp>
+        <p:nvSpPr>
+          <p:cNvPr id="2" name="Espaço Reservado para Imagem de Slide 1"/>
+          <p:cNvSpPr>
+            <a:spLocks noGrp="1" noRot="1" noChangeAspect="1"/>
+          </p:cNvSpPr>
+          <p:nvPr>
+            <p:ph type="sldImg"/>
+          </p:nvPr>
+        </p:nvSpPr>
+        <p:spPr/>
+      </p:sp>
+      <p:sp>
+        <p:nvSpPr>
+          <p:cNvPr id="3" name="Espaço Reservado para Anotações 2"/>
+          <p:cNvSpPr>
+            <a:spLocks noGrp="1"/>
+          </p:cNvSpPr>
+          <p:nvPr>
+            <p:ph type="body" idx="1"/>
+          </p:nvPr>
+        </p:nvSpPr>
+        <p:spPr/>
+        <p:txBody>
+          <a:bodyPr/>
+          <a:lstStyle/>
+          <a:p>
+            <a:endParaRPr lang="pt-BR"/>
+          </a:p>
+        </p:txBody>
+      </p:sp>
+      <p:sp>
+        <p:nvSpPr>
+          <p:cNvPr id="4" name="Espaço Reservado para Número de Slide 3"/>
+          <p:cNvSpPr>
+            <a:spLocks noGrp="1"/>
+          </p:cNvSpPr>
+          <p:nvPr>
+            <p:ph type="sldNum" sz="quarter" idx="10"/>
+          </p:nvPr>
+        </p:nvSpPr>
+        <p:spPr/>
+        <p:txBody>
+          <a:bodyPr/>
+          <a:lstStyle/>
+          <a:p>
+            <a:fld id="{463941E7-EB35-4884-B9D7-7CF822459A30}" type="slidenum">
+              <a:rPr lang="pt-BR" smtClean="0"/>
+              <a:t>21</a:t>
+            </a:fld>
+            <a:endParaRPr lang="pt-BR"/>
+          </a:p>
+        </p:txBody>
+      </p:sp>
+    </p:spTree>
+    <p:extLst>
+      <p:ext uri="{BB962C8B-B14F-4D97-AF65-F5344CB8AC3E}">
+        <p14:creationId xmlns:p14="http://schemas.microsoft.com/office/powerpoint/2010/main" val="632541376"/>
+      </p:ext>
+    </p:extLst>
+  </p:cSld>
+  <p:clrMapOvr>
+    <a:masterClrMapping/>
+  </p:clrMapOvr>
+</p:notes>
+</file>
+
+<file path=ppt/notesSlides/notesSlide22.xml><?xml version="1.0" encoding="utf-8"?>
+<p:notes xmlns:a="http://schemas.openxmlformats.org/drawingml/2006/main" xmlns:r="http://schemas.openxmlformats.org/officeDocument/2006/relationships" xmlns:p="http://schemas.openxmlformats.org/presentationml/2006/main">
+  <p:cSld>
+    <p:spTree>
+      <p:nvGrpSpPr>
+        <p:cNvPr id="1" name=""/>
+        <p:cNvGrpSpPr/>
+        <p:nvPr/>
+      </p:nvGrpSpPr>
+      <p:grpSpPr>
+        <a:xfrm>
+          <a:off x="0" y="0"/>
+          <a:ext cx="0" cy="0"/>
+          <a:chOff x="0" y="0"/>
+          <a:chExt cx="0" cy="0"/>
+        </a:xfrm>
+      </p:grpSpPr>
+      <p:sp>
+        <p:nvSpPr>
+          <p:cNvPr id="2" name="Espaço Reservado para Imagem de Slide 1"/>
+          <p:cNvSpPr>
+            <a:spLocks noGrp="1" noRot="1" noChangeAspect="1"/>
+          </p:cNvSpPr>
+          <p:nvPr>
+            <p:ph type="sldImg"/>
+          </p:nvPr>
+        </p:nvSpPr>
+        <p:spPr/>
+      </p:sp>
+      <p:sp>
+        <p:nvSpPr>
+          <p:cNvPr id="3" name="Espaço Reservado para Anotações 2"/>
+          <p:cNvSpPr>
+            <a:spLocks noGrp="1"/>
+          </p:cNvSpPr>
+          <p:nvPr>
+            <p:ph type="body" idx="1"/>
+          </p:nvPr>
+        </p:nvSpPr>
+        <p:spPr/>
+        <p:txBody>
+          <a:bodyPr/>
+          <a:lstStyle/>
+          <a:p>
+            <a:endParaRPr lang="pt-BR"/>
+          </a:p>
+        </p:txBody>
+      </p:sp>
+      <p:sp>
+        <p:nvSpPr>
+          <p:cNvPr id="4" name="Espaço Reservado para Número de Slide 3"/>
+          <p:cNvSpPr>
+            <a:spLocks noGrp="1"/>
+          </p:cNvSpPr>
+          <p:nvPr>
+            <p:ph type="sldNum" sz="quarter" idx="10"/>
+          </p:nvPr>
+        </p:nvSpPr>
+        <p:spPr/>
+        <p:txBody>
+          <a:bodyPr/>
+          <a:lstStyle/>
+          <a:p>
+            <a:fld id="{463941E7-EB35-4884-B9D7-7CF822459A30}" type="slidenum">
+              <a:rPr lang="pt-BR" smtClean="0"/>
+              <a:t>22</a:t>
+            </a:fld>
+            <a:endParaRPr lang="pt-BR"/>
+          </a:p>
+        </p:txBody>
+      </p:sp>
+    </p:spTree>
+    <p:extLst>
+      <p:ext uri="{BB962C8B-B14F-4D97-AF65-F5344CB8AC3E}">
+        <p14:creationId xmlns:p14="http://schemas.microsoft.com/office/powerpoint/2010/main" val="581440122"/>
+      </p:ext>
+    </p:extLst>
+  </p:cSld>
+  <p:clrMapOvr>
+    <a:masterClrMapping/>
+  </p:clrMapOvr>
+</p:notes>
+</file>
+
+<file path=ppt/notesSlides/notesSlide23.xml><?xml version="1.0" encoding="utf-8"?>
+<p:notes xmlns:a="http://schemas.openxmlformats.org/drawingml/2006/main" xmlns:r="http://schemas.openxmlformats.org/officeDocument/2006/relationships" xmlns:p="http://schemas.openxmlformats.org/presentationml/2006/main">
+  <p:cSld>
+    <p:spTree>
+      <p:nvGrpSpPr>
+        <p:cNvPr id="1" name=""/>
+        <p:cNvGrpSpPr/>
+        <p:nvPr/>
+      </p:nvGrpSpPr>
+      <p:grpSpPr>
+        <a:xfrm>
+          <a:off x="0" y="0"/>
+          <a:ext cx="0" cy="0"/>
+          <a:chOff x="0" y="0"/>
+          <a:chExt cx="0" cy="0"/>
+        </a:xfrm>
+      </p:grpSpPr>
+      <p:sp>
+        <p:nvSpPr>
+          <p:cNvPr id="2" name="Espaço Reservado para Imagem de Slide 1"/>
+          <p:cNvSpPr>
+            <a:spLocks noGrp="1" noRot="1" noChangeAspect="1"/>
+          </p:cNvSpPr>
+          <p:nvPr>
+            <p:ph type="sldImg"/>
+          </p:nvPr>
+        </p:nvSpPr>
+        <p:spPr/>
+      </p:sp>
+      <p:sp>
+        <p:nvSpPr>
+          <p:cNvPr id="3" name="Espaço Reservado para Anotações 2"/>
+          <p:cNvSpPr>
+            <a:spLocks noGrp="1"/>
+          </p:cNvSpPr>
+          <p:nvPr>
+            <p:ph type="body" idx="1"/>
+          </p:nvPr>
+        </p:nvSpPr>
+        <p:spPr/>
+        <p:txBody>
+          <a:bodyPr/>
+          <a:lstStyle/>
+          <a:p>
+            <a:endParaRPr lang="pt-BR" dirty="0"/>
+          </a:p>
+        </p:txBody>
+      </p:sp>
+      <p:sp>
+        <p:nvSpPr>
+          <p:cNvPr id="4" name="Espaço Reservado para Número de Slide 3"/>
+          <p:cNvSpPr>
+            <a:spLocks noGrp="1"/>
+          </p:cNvSpPr>
+          <p:nvPr>
+            <p:ph type="sldNum" sz="quarter" idx="10"/>
+          </p:nvPr>
+        </p:nvSpPr>
+        <p:spPr/>
+        <p:txBody>
+          <a:bodyPr/>
+          <a:lstStyle/>
+          <a:p>
+            <a:fld id="{463941E7-EB35-4884-B9D7-7CF822459A30}" type="slidenum">
+              <a:rPr lang="pt-BR" smtClean="0"/>
+              <a:t>23</a:t>
+            </a:fld>
+            <a:endParaRPr lang="pt-BR"/>
+          </a:p>
+        </p:txBody>
+      </p:sp>
+    </p:spTree>
+    <p:extLst>
+      <p:ext uri="{BB962C8B-B14F-4D97-AF65-F5344CB8AC3E}">
+        <p14:creationId xmlns:p14="http://schemas.microsoft.com/office/powerpoint/2010/main" val="4055491837"/>
+      </p:ext>
+    </p:extLst>
+  </p:cSld>
+  <p:clrMapOvr>
+    <a:masterClrMapping/>
+  </p:clrMapOvr>
+</p:notes>
+</file>
+
+<file path=ppt/notesSlides/notesSlide24.xml><?xml version="1.0" encoding="utf-8"?>
+<p:notes xmlns:a="http://schemas.openxmlformats.org/drawingml/2006/main" xmlns:r="http://schemas.openxmlformats.org/officeDocument/2006/relationships" xmlns:p="http://schemas.openxmlformats.org/presentationml/2006/main">
+  <p:cSld>
+    <p:spTree>
+      <p:nvGrpSpPr>
+        <p:cNvPr id="1" name=""/>
+        <p:cNvGrpSpPr/>
+        <p:nvPr/>
+      </p:nvGrpSpPr>
+      <p:grpSpPr>
+        <a:xfrm>
+          <a:off x="0" y="0"/>
+          <a:ext cx="0" cy="0"/>
+          <a:chOff x="0" y="0"/>
+          <a:chExt cx="0" cy="0"/>
+        </a:xfrm>
+      </p:grpSpPr>
+      <p:sp>
+        <p:nvSpPr>
+          <p:cNvPr id="2" name="Espaço Reservado para Imagem de Slide 1"/>
+          <p:cNvSpPr>
+            <a:spLocks noGrp="1" noRot="1" noChangeAspect="1"/>
+          </p:cNvSpPr>
+          <p:nvPr>
+            <p:ph type="sldImg"/>
+          </p:nvPr>
+        </p:nvSpPr>
+        <p:spPr/>
+      </p:sp>
+      <p:sp>
+        <p:nvSpPr>
+          <p:cNvPr id="3" name="Espaço Reservado para Anotações 2"/>
+          <p:cNvSpPr>
+            <a:spLocks noGrp="1"/>
+          </p:cNvSpPr>
+          <p:nvPr>
+            <p:ph type="body" idx="1"/>
+          </p:nvPr>
+        </p:nvSpPr>
+        <p:spPr/>
+        <p:txBody>
+          <a:bodyPr/>
+          <a:lstStyle/>
+          <a:p>
+            <a:endParaRPr lang="pt-BR" dirty="0"/>
+          </a:p>
+        </p:txBody>
+      </p:sp>
+      <p:sp>
+        <p:nvSpPr>
+          <p:cNvPr id="4" name="Espaço Reservado para Número de Slide 3"/>
+          <p:cNvSpPr>
+            <a:spLocks noGrp="1"/>
+          </p:cNvSpPr>
+          <p:nvPr>
+            <p:ph type="sldNum" sz="quarter" idx="10"/>
+          </p:nvPr>
+        </p:nvSpPr>
+        <p:spPr/>
+        <p:txBody>
+          <a:bodyPr/>
+          <a:lstStyle/>
+          <a:p>
+            <a:fld id="{463941E7-EB35-4884-B9D7-7CF822459A30}" type="slidenum">
+              <a:rPr lang="pt-BR" smtClean="0"/>
+              <a:t>24</a:t>
+            </a:fld>
+            <a:endParaRPr lang="pt-BR"/>
+          </a:p>
+        </p:txBody>
+      </p:sp>
+    </p:spTree>
+    <p:extLst>
+      <p:ext uri="{BB962C8B-B14F-4D97-AF65-F5344CB8AC3E}">
+        <p14:creationId xmlns:p14="http://schemas.microsoft.com/office/powerpoint/2010/main" val="3019117353"/>
+      </p:ext>
+    </p:extLst>
+  </p:cSld>
+  <p:clrMapOvr>
+    <a:masterClrMapping/>
+  </p:clrMapOvr>
+</p:notes>
+</file>
+
+<file path=ppt/notesSlides/notesSlide25.xml><?xml version="1.0" encoding="utf-8"?>
+<p:notes xmlns:a="http://schemas.openxmlformats.org/drawingml/2006/main" xmlns:r="http://schemas.openxmlformats.org/officeDocument/2006/relationships" xmlns:p="http://schemas.openxmlformats.org/presentationml/2006/main">
+  <p:cSld>
+    <p:spTree>
+      <p:nvGrpSpPr>
+        <p:cNvPr id="1" name=""/>
+        <p:cNvGrpSpPr/>
+        <p:nvPr/>
+      </p:nvGrpSpPr>
+      <p:grpSpPr>
+        <a:xfrm>
+          <a:off x="0" y="0"/>
+          <a:ext cx="0" cy="0"/>
+          <a:chOff x="0" y="0"/>
+          <a:chExt cx="0" cy="0"/>
+        </a:xfrm>
+      </p:grpSpPr>
+      <p:sp>
+        <p:nvSpPr>
+          <p:cNvPr id="2" name="Espaço Reservado para Imagem de Slide 1"/>
+          <p:cNvSpPr>
+            <a:spLocks noGrp="1" noRot="1" noChangeAspect="1"/>
+          </p:cNvSpPr>
+          <p:nvPr>
+            <p:ph type="sldImg"/>
+          </p:nvPr>
+        </p:nvSpPr>
+        <p:spPr/>
+      </p:sp>
+      <p:sp>
+        <p:nvSpPr>
+          <p:cNvPr id="3" name="Espaço Reservado para Anotações 2"/>
+          <p:cNvSpPr>
+            <a:spLocks noGrp="1"/>
+          </p:cNvSpPr>
+          <p:nvPr>
+            <p:ph type="body" idx="1"/>
+          </p:nvPr>
+        </p:nvSpPr>
+        <p:spPr/>
+        <p:txBody>
+          <a:bodyPr/>
+          <a:lstStyle/>
+          <a:p>
+            <a:endParaRPr lang="pt-BR"/>
+          </a:p>
+        </p:txBody>
+      </p:sp>
+      <p:sp>
+        <p:nvSpPr>
+          <p:cNvPr id="4" name="Espaço Reservado para Número de Slide 3"/>
+          <p:cNvSpPr>
+            <a:spLocks noGrp="1"/>
+          </p:cNvSpPr>
+          <p:nvPr>
+            <p:ph type="sldNum" sz="quarter" idx="10"/>
+          </p:nvPr>
+        </p:nvSpPr>
+        <p:spPr/>
+        <p:txBody>
+          <a:bodyPr/>
+          <a:lstStyle/>
+          <a:p>
+            <a:fld id="{463941E7-EB35-4884-B9D7-7CF822459A30}" type="slidenum">
+              <a:rPr lang="pt-BR" smtClean="0"/>
+              <a:t>25</a:t>
+            </a:fld>
+            <a:endParaRPr lang="pt-BR"/>
+          </a:p>
+        </p:txBody>
+      </p:sp>
+    </p:spTree>
+    <p:extLst>
+      <p:ext uri="{BB962C8B-B14F-4D97-AF65-F5344CB8AC3E}">
+        <p14:creationId xmlns:p14="http://schemas.microsoft.com/office/powerpoint/2010/main" val="1973847118"/>
+      </p:ext>
+    </p:extLst>
+  </p:cSld>
+  <p:clrMapOvr>
+    <a:masterClrMapping/>
+  </p:clrMapOvr>
+</p:notes>
+</file>
+
+<file path=ppt/notesSlides/notesSlide26.xml><?xml version="1.0" encoding="utf-8"?>
+<p:notes xmlns:a="http://schemas.openxmlformats.org/drawingml/2006/main" xmlns:r="http://schemas.openxmlformats.org/officeDocument/2006/relationships" xmlns:p="http://schemas.openxmlformats.org/presentationml/2006/main">
+  <p:cSld>
+    <p:spTree>
+      <p:nvGrpSpPr>
+        <p:cNvPr id="1" name=""/>
+        <p:cNvGrpSpPr/>
+        <p:nvPr/>
+      </p:nvGrpSpPr>
+      <p:grpSpPr>
+        <a:xfrm>
+          <a:off x="0" y="0"/>
+          <a:ext cx="0" cy="0"/>
+          <a:chOff x="0" y="0"/>
+          <a:chExt cx="0" cy="0"/>
+        </a:xfrm>
+      </p:grpSpPr>
+      <p:sp>
+        <p:nvSpPr>
+          <p:cNvPr id="2" name="Espaço Reservado para Imagem de Slide 1"/>
+          <p:cNvSpPr>
+            <a:spLocks noGrp="1" noRot="1" noChangeAspect="1"/>
+          </p:cNvSpPr>
+          <p:nvPr>
+            <p:ph type="sldImg"/>
+          </p:nvPr>
+        </p:nvSpPr>
+        <p:spPr/>
+      </p:sp>
+      <p:sp>
+        <p:nvSpPr>
+          <p:cNvPr id="3" name="Espaço Reservado para Anotações 2"/>
+          <p:cNvSpPr>
+            <a:spLocks noGrp="1"/>
+          </p:cNvSpPr>
+          <p:nvPr>
+            <p:ph type="body" idx="1"/>
+          </p:nvPr>
+        </p:nvSpPr>
+        <p:spPr/>
+        <p:txBody>
+          <a:bodyPr/>
+          <a:lstStyle/>
+          <a:p>
+            <a:endParaRPr lang="pt-BR" dirty="0"/>
+          </a:p>
+        </p:txBody>
+      </p:sp>
+      <p:sp>
+        <p:nvSpPr>
+          <p:cNvPr id="4" name="Espaço Reservado para Número de Slide 3"/>
+          <p:cNvSpPr>
+            <a:spLocks noGrp="1"/>
+          </p:cNvSpPr>
+          <p:nvPr>
+            <p:ph type="sldNum" sz="quarter" idx="10"/>
+          </p:nvPr>
+        </p:nvSpPr>
+        <p:spPr/>
+        <p:txBody>
+          <a:bodyPr/>
+          <a:lstStyle/>
+          <a:p>
+            <a:fld id="{463941E7-EB35-4884-B9D7-7CF822459A30}" type="slidenum">
+              <a:rPr lang="pt-BR" smtClean="0"/>
+              <a:t>26</a:t>
+            </a:fld>
+            <a:endParaRPr lang="pt-BR"/>
+          </a:p>
+        </p:txBody>
+      </p:sp>
+    </p:spTree>
+    <p:extLst>
+      <p:ext uri="{BB962C8B-B14F-4D97-AF65-F5344CB8AC3E}">
+        <p14:creationId xmlns:p14="http://schemas.microsoft.com/office/powerpoint/2010/main" val="1143299033"/>
+      </p:ext>
+    </p:extLst>
+  </p:cSld>
+  <p:clrMapOvr>
+    <a:masterClrMapping/>
+  </p:clrMapOvr>
+</p:notes>
+</file>
+
+<file path=ppt/notesSlides/notesSlide27.xml><?xml version="1.0" encoding="utf-8"?>
+<p:notes xmlns:a="http://schemas.openxmlformats.org/drawingml/2006/main" xmlns:r="http://schemas.openxmlformats.org/officeDocument/2006/relationships" xmlns:p="http://schemas.openxmlformats.org/presentationml/2006/main">
+  <p:cSld>
+    <p:spTree>
+      <p:nvGrpSpPr>
+        <p:cNvPr id="1" name=""/>
+        <p:cNvGrpSpPr/>
+        <p:nvPr/>
+      </p:nvGrpSpPr>
+      <p:grpSpPr>
+        <a:xfrm>
+          <a:off x="0" y="0"/>
+          <a:ext cx="0" cy="0"/>
+          <a:chOff x="0" y="0"/>
+          <a:chExt cx="0" cy="0"/>
+        </a:xfrm>
+      </p:grpSpPr>
+      <p:sp>
+        <p:nvSpPr>
+          <p:cNvPr id="2" name="Espaço Reservado para Imagem de Slide 1"/>
+          <p:cNvSpPr>
+            <a:spLocks noGrp="1" noRot="1" noChangeAspect="1"/>
+          </p:cNvSpPr>
+          <p:nvPr>
+            <p:ph type="sldImg"/>
+          </p:nvPr>
+        </p:nvSpPr>
+        <p:spPr/>
+      </p:sp>
+      <p:sp>
+        <p:nvSpPr>
+          <p:cNvPr id="3" name="Espaço Reservado para Anotações 2"/>
+          <p:cNvSpPr>
+            <a:spLocks noGrp="1"/>
+          </p:cNvSpPr>
+          <p:nvPr>
+            <p:ph type="body" idx="1"/>
+          </p:nvPr>
+        </p:nvSpPr>
+        <p:spPr/>
+        <p:txBody>
+          <a:bodyPr/>
+          <a:lstStyle/>
+          <a:p>
+            <a:endParaRPr lang="pt-BR" dirty="0"/>
+          </a:p>
+        </p:txBody>
+      </p:sp>
+      <p:sp>
+        <p:nvSpPr>
+          <p:cNvPr id="4" name="Espaço Reservado para Número de Slide 3"/>
+          <p:cNvSpPr>
+            <a:spLocks noGrp="1"/>
+          </p:cNvSpPr>
+          <p:nvPr>
+            <p:ph type="sldNum" sz="quarter" idx="10"/>
+          </p:nvPr>
+        </p:nvSpPr>
+        <p:spPr/>
+        <p:txBody>
+          <a:bodyPr/>
+          <a:lstStyle/>
+          <a:p>
+            <a:fld id="{463941E7-EB35-4884-B9D7-7CF822459A30}" type="slidenum">
+              <a:rPr lang="pt-BR" smtClean="0"/>
+              <a:t>27</a:t>
+            </a:fld>
+            <a:endParaRPr lang="pt-BR"/>
+          </a:p>
+        </p:txBody>
+      </p:sp>
+    </p:spTree>
+    <p:extLst>
+      <p:ext uri="{BB962C8B-B14F-4D97-AF65-F5344CB8AC3E}">
+        <p14:creationId xmlns:p14="http://schemas.microsoft.com/office/powerpoint/2010/main" val="1478315106"/>
+      </p:ext>
+    </p:extLst>
+  </p:cSld>
+  <p:clrMapOvr>
+    <a:masterClrMapping/>
+  </p:clrMapOvr>
+</p:notes>
+</file>
+
+<file path=ppt/notesSlides/notesSlide28.xml><?xml version="1.0" encoding="utf-8"?>
+<p:notes xmlns:a="http://schemas.openxmlformats.org/drawingml/2006/main" xmlns:r="http://schemas.openxmlformats.org/officeDocument/2006/relationships" xmlns:p="http://schemas.openxmlformats.org/presentationml/2006/main">
+  <p:cSld>
+    <p:spTree>
+      <p:nvGrpSpPr>
+        <p:cNvPr id="1" name=""/>
+        <p:cNvGrpSpPr/>
+        <p:nvPr/>
+      </p:nvGrpSpPr>
+      <p:grpSpPr>
+        <a:xfrm>
+          <a:off x="0" y="0"/>
+          <a:ext cx="0" cy="0"/>
+          <a:chOff x="0" y="0"/>
+          <a:chExt cx="0" cy="0"/>
+        </a:xfrm>
+      </p:grpSpPr>
+      <p:sp>
+        <p:nvSpPr>
+          <p:cNvPr id="2" name="Espaço Reservado para Imagem de Slide 1"/>
+          <p:cNvSpPr>
+            <a:spLocks noGrp="1" noRot="1" noChangeAspect="1"/>
+          </p:cNvSpPr>
+          <p:nvPr>
+            <p:ph type="sldImg"/>
+          </p:nvPr>
+        </p:nvSpPr>
+        <p:spPr/>
+      </p:sp>
+      <p:sp>
+        <p:nvSpPr>
+          <p:cNvPr id="3" name="Espaço Reservado para Anotações 2"/>
+          <p:cNvSpPr>
+            <a:spLocks noGrp="1"/>
+          </p:cNvSpPr>
+          <p:nvPr>
+            <p:ph type="body" idx="1"/>
+          </p:nvPr>
+        </p:nvSpPr>
+        <p:spPr/>
+        <p:txBody>
+          <a:bodyPr/>
+          <a:lstStyle/>
+          <a:p>
+            <a:endParaRPr lang="pt-BR"/>
+          </a:p>
+        </p:txBody>
+      </p:sp>
+      <p:sp>
+        <p:nvSpPr>
+          <p:cNvPr id="4" name="Espaço Reservado para Número de Slide 3"/>
+          <p:cNvSpPr>
+            <a:spLocks noGrp="1"/>
+          </p:cNvSpPr>
+          <p:nvPr>
+            <p:ph type="sldNum" sz="quarter" idx="10"/>
+          </p:nvPr>
+        </p:nvSpPr>
+        <p:spPr/>
+        <p:txBody>
+          <a:bodyPr/>
+          <a:lstStyle/>
+          <a:p>
+            <a:fld id="{463941E7-EB35-4884-B9D7-7CF822459A30}" type="slidenum">
+              <a:rPr lang="pt-BR" smtClean="0"/>
+              <a:t>28</a:t>
+            </a:fld>
+            <a:endParaRPr lang="pt-BR"/>
+          </a:p>
+        </p:txBody>
+      </p:sp>
+    </p:spTree>
+    <p:extLst>
+      <p:ext uri="{BB962C8B-B14F-4D97-AF65-F5344CB8AC3E}">
+        <p14:creationId xmlns:p14="http://schemas.microsoft.com/office/powerpoint/2010/main" val="727853856"/>
+      </p:ext>
+    </p:extLst>
+  </p:cSld>
+  <p:clrMapOvr>
+    <a:masterClrMapping/>
+  </p:clrMapOvr>
+</p:notes>
+</file>
+
+<file path=ppt/notesSlides/notesSlide29.xml><?xml version="1.0" encoding="utf-8"?>
+<p:notes xmlns:a="http://schemas.openxmlformats.org/drawingml/2006/main" xmlns:r="http://schemas.openxmlformats.org/officeDocument/2006/relationships" xmlns:p="http://schemas.openxmlformats.org/presentationml/2006/main">
+  <p:cSld>
+    <p:spTree>
+      <p:nvGrpSpPr>
+        <p:cNvPr id="1" name=""/>
+        <p:cNvGrpSpPr/>
+        <p:nvPr/>
+      </p:nvGrpSpPr>
+      <p:grpSpPr>
+        <a:xfrm>
+          <a:off x="0" y="0"/>
+          <a:ext cx="0" cy="0"/>
+          <a:chOff x="0" y="0"/>
+          <a:chExt cx="0" cy="0"/>
+        </a:xfrm>
+      </p:grpSpPr>
+      <p:sp>
+        <p:nvSpPr>
+          <p:cNvPr id="2" name="Espaço Reservado para Imagem de Slide 1"/>
+          <p:cNvSpPr>
+            <a:spLocks noGrp="1" noRot="1" noChangeAspect="1"/>
+          </p:cNvSpPr>
+          <p:nvPr>
+            <p:ph type="sldImg"/>
+          </p:nvPr>
+        </p:nvSpPr>
+        <p:spPr/>
+      </p:sp>
+      <p:sp>
+        <p:nvSpPr>
+          <p:cNvPr id="3" name="Espaço Reservado para Anotações 2"/>
+          <p:cNvSpPr>
+            <a:spLocks noGrp="1"/>
+          </p:cNvSpPr>
+          <p:nvPr>
+            <p:ph type="body" idx="1"/>
+          </p:nvPr>
+        </p:nvSpPr>
+        <p:spPr/>
+        <p:txBody>
+          <a:bodyPr/>
+          <a:lstStyle/>
+          <a:p>
+            <a:endParaRPr lang="pt-BR"/>
+          </a:p>
+        </p:txBody>
+      </p:sp>
+      <p:sp>
+        <p:nvSpPr>
+          <p:cNvPr id="4" name="Espaço Reservado para Número de Slide 3"/>
+          <p:cNvSpPr>
+            <a:spLocks noGrp="1"/>
+          </p:cNvSpPr>
+          <p:nvPr>
+            <p:ph type="sldNum" sz="quarter" idx="10"/>
+          </p:nvPr>
+        </p:nvSpPr>
+        <p:spPr/>
+        <p:txBody>
+          <a:bodyPr/>
+          <a:lstStyle/>
+          <a:p>
+            <a:fld id="{463941E7-EB35-4884-B9D7-7CF822459A30}" type="slidenum">
+              <a:rPr lang="pt-BR" smtClean="0"/>
+              <a:t>29</a:t>
+            </a:fld>
+            <a:endParaRPr lang="pt-BR"/>
+          </a:p>
+        </p:txBody>
+      </p:sp>
+    </p:spTree>
+    <p:extLst>
+      <p:ext uri="{BB962C8B-B14F-4D97-AF65-F5344CB8AC3E}">
+        <p14:creationId xmlns:p14="http://schemas.microsoft.com/office/powerpoint/2010/main" val="588458125"/>
       </p:ext>
     </p:extLst>
   </p:cSld>
@@ -1464,7 +2388,7 @@
           <a:bodyPr/>
           <a:lstStyle/>
           <a:p>
-            <a:endParaRPr lang="pt-BR" dirty="0"/>
+            <a:endParaRPr lang="pt-BR"/>
           </a:p>
         </p:txBody>
       </p:sp>
@@ -1485,7 +2409,7 @@
           <a:p>
             <a:fld id="{463941E7-EB35-4884-B9D7-7CF822459A30}" type="slidenum">
               <a:rPr lang="pt-BR" smtClean="0"/>
-              <a:t>8</a:t>
+              <a:t>3</a:t>
             </a:fld>
             <a:endParaRPr lang="pt-BR"/>
           </a:p>
@@ -1494,7 +2418,259 @@
     </p:spTree>
     <p:extLst>
       <p:ext uri="{BB962C8B-B14F-4D97-AF65-F5344CB8AC3E}">
-        <p14:creationId xmlns:p14="http://schemas.microsoft.com/office/powerpoint/2010/main" val="3966872292"/>
+        <p14:creationId xmlns:p14="http://schemas.microsoft.com/office/powerpoint/2010/main" val="4215884330"/>
+      </p:ext>
+    </p:extLst>
+  </p:cSld>
+  <p:clrMapOvr>
+    <a:masterClrMapping/>
+  </p:clrMapOvr>
+</p:notes>
+</file>
+
+<file path=ppt/notesSlides/notesSlide30.xml><?xml version="1.0" encoding="utf-8"?>
+<p:notes xmlns:a="http://schemas.openxmlformats.org/drawingml/2006/main" xmlns:r="http://schemas.openxmlformats.org/officeDocument/2006/relationships" xmlns:p="http://schemas.openxmlformats.org/presentationml/2006/main">
+  <p:cSld>
+    <p:spTree>
+      <p:nvGrpSpPr>
+        <p:cNvPr id="1" name=""/>
+        <p:cNvGrpSpPr/>
+        <p:nvPr/>
+      </p:nvGrpSpPr>
+      <p:grpSpPr>
+        <a:xfrm>
+          <a:off x="0" y="0"/>
+          <a:ext cx="0" cy="0"/>
+          <a:chOff x="0" y="0"/>
+          <a:chExt cx="0" cy="0"/>
+        </a:xfrm>
+      </p:grpSpPr>
+      <p:sp>
+        <p:nvSpPr>
+          <p:cNvPr id="2" name="Espaço Reservado para Imagem de Slide 1"/>
+          <p:cNvSpPr>
+            <a:spLocks noGrp="1" noRot="1" noChangeAspect="1"/>
+          </p:cNvSpPr>
+          <p:nvPr>
+            <p:ph type="sldImg"/>
+          </p:nvPr>
+        </p:nvSpPr>
+        <p:spPr/>
+      </p:sp>
+      <p:sp>
+        <p:nvSpPr>
+          <p:cNvPr id="3" name="Espaço Reservado para Anotações 2"/>
+          <p:cNvSpPr>
+            <a:spLocks noGrp="1"/>
+          </p:cNvSpPr>
+          <p:nvPr>
+            <p:ph type="body" idx="1"/>
+          </p:nvPr>
+        </p:nvSpPr>
+        <p:spPr/>
+        <p:txBody>
+          <a:bodyPr/>
+          <a:lstStyle/>
+          <a:p>
+            <a:endParaRPr lang="pt-BR"/>
+          </a:p>
+        </p:txBody>
+      </p:sp>
+      <p:sp>
+        <p:nvSpPr>
+          <p:cNvPr id="4" name="Espaço Reservado para Número de Slide 3"/>
+          <p:cNvSpPr>
+            <a:spLocks noGrp="1"/>
+          </p:cNvSpPr>
+          <p:nvPr>
+            <p:ph type="sldNum" sz="quarter" idx="10"/>
+          </p:nvPr>
+        </p:nvSpPr>
+        <p:spPr/>
+        <p:txBody>
+          <a:bodyPr/>
+          <a:lstStyle/>
+          <a:p>
+            <a:fld id="{463941E7-EB35-4884-B9D7-7CF822459A30}" type="slidenum">
+              <a:rPr lang="pt-BR" smtClean="0"/>
+              <a:t>30</a:t>
+            </a:fld>
+            <a:endParaRPr lang="pt-BR"/>
+          </a:p>
+        </p:txBody>
+      </p:sp>
+    </p:spTree>
+    <p:extLst>
+      <p:ext uri="{BB962C8B-B14F-4D97-AF65-F5344CB8AC3E}">
+        <p14:creationId xmlns:p14="http://schemas.microsoft.com/office/powerpoint/2010/main" val="3349840719"/>
+      </p:ext>
+    </p:extLst>
+  </p:cSld>
+  <p:clrMapOvr>
+    <a:masterClrMapping/>
+  </p:clrMapOvr>
+</p:notes>
+</file>
+
+<file path=ppt/notesSlides/notesSlide31.xml><?xml version="1.0" encoding="utf-8"?>
+<p:notes xmlns:a="http://schemas.openxmlformats.org/drawingml/2006/main" xmlns:r="http://schemas.openxmlformats.org/officeDocument/2006/relationships" xmlns:p="http://schemas.openxmlformats.org/presentationml/2006/main">
+  <p:cSld>
+    <p:spTree>
+      <p:nvGrpSpPr>
+        <p:cNvPr id="1" name=""/>
+        <p:cNvGrpSpPr/>
+        <p:nvPr/>
+      </p:nvGrpSpPr>
+      <p:grpSpPr>
+        <a:xfrm>
+          <a:off x="0" y="0"/>
+          <a:ext cx="0" cy="0"/>
+          <a:chOff x="0" y="0"/>
+          <a:chExt cx="0" cy="0"/>
+        </a:xfrm>
+      </p:grpSpPr>
+      <p:sp>
+        <p:nvSpPr>
+          <p:cNvPr id="2" name="Espaço Reservado para Imagem de Slide 1"/>
+          <p:cNvSpPr>
+            <a:spLocks noGrp="1" noRot="1" noChangeAspect="1"/>
+          </p:cNvSpPr>
+          <p:nvPr>
+            <p:ph type="sldImg"/>
+          </p:nvPr>
+        </p:nvSpPr>
+        <p:spPr/>
+      </p:sp>
+      <p:sp>
+        <p:nvSpPr>
+          <p:cNvPr id="3" name="Espaço Reservado para Anotações 2"/>
+          <p:cNvSpPr>
+            <a:spLocks noGrp="1"/>
+          </p:cNvSpPr>
+          <p:nvPr>
+            <p:ph type="body" idx="1"/>
+          </p:nvPr>
+        </p:nvSpPr>
+        <p:spPr/>
+        <p:txBody>
+          <a:bodyPr/>
+          <a:lstStyle/>
+          <a:p>
+            <a:endParaRPr lang="pt-BR"/>
+          </a:p>
+        </p:txBody>
+      </p:sp>
+      <p:sp>
+        <p:nvSpPr>
+          <p:cNvPr id="4" name="Espaço Reservado para Número de Slide 3"/>
+          <p:cNvSpPr>
+            <a:spLocks noGrp="1"/>
+          </p:cNvSpPr>
+          <p:nvPr>
+            <p:ph type="sldNum" sz="quarter" idx="10"/>
+          </p:nvPr>
+        </p:nvSpPr>
+        <p:spPr/>
+        <p:txBody>
+          <a:bodyPr/>
+          <a:lstStyle/>
+          <a:p>
+            <a:fld id="{463941E7-EB35-4884-B9D7-7CF822459A30}" type="slidenum">
+              <a:rPr lang="pt-BR" smtClean="0"/>
+              <a:t>31</a:t>
+            </a:fld>
+            <a:endParaRPr lang="pt-BR"/>
+          </a:p>
+        </p:txBody>
+      </p:sp>
+    </p:spTree>
+    <p:extLst>
+      <p:ext uri="{BB962C8B-B14F-4D97-AF65-F5344CB8AC3E}">
+        <p14:creationId xmlns:p14="http://schemas.microsoft.com/office/powerpoint/2010/main" val="1849285468"/>
+      </p:ext>
+    </p:extLst>
+  </p:cSld>
+  <p:clrMapOvr>
+    <a:masterClrMapping/>
+  </p:clrMapOvr>
+</p:notes>
+</file>
+
+<file path=ppt/notesSlides/notesSlide32.xml><?xml version="1.0" encoding="utf-8"?>
+<p:notes xmlns:a="http://schemas.openxmlformats.org/drawingml/2006/main" xmlns:r="http://schemas.openxmlformats.org/officeDocument/2006/relationships" xmlns:p="http://schemas.openxmlformats.org/presentationml/2006/main">
+  <p:cSld>
+    <p:spTree>
+      <p:nvGrpSpPr>
+        <p:cNvPr id="1" name=""/>
+        <p:cNvGrpSpPr/>
+        <p:nvPr/>
+      </p:nvGrpSpPr>
+      <p:grpSpPr>
+        <a:xfrm>
+          <a:off x="0" y="0"/>
+          <a:ext cx="0" cy="0"/>
+          <a:chOff x="0" y="0"/>
+          <a:chExt cx="0" cy="0"/>
+        </a:xfrm>
+      </p:grpSpPr>
+      <p:sp>
+        <p:nvSpPr>
+          <p:cNvPr id="2" name="Espaço Reservado para Imagem de Slide 1"/>
+          <p:cNvSpPr>
+            <a:spLocks noGrp="1" noRot="1" noChangeAspect="1"/>
+          </p:cNvSpPr>
+          <p:nvPr>
+            <p:ph type="sldImg"/>
+          </p:nvPr>
+        </p:nvSpPr>
+        <p:spPr/>
+      </p:sp>
+      <p:sp>
+        <p:nvSpPr>
+          <p:cNvPr id="3" name="Espaço Reservado para Anotações 2"/>
+          <p:cNvSpPr>
+            <a:spLocks noGrp="1"/>
+          </p:cNvSpPr>
+          <p:nvPr>
+            <p:ph type="body" idx="1"/>
+          </p:nvPr>
+        </p:nvSpPr>
+        <p:spPr/>
+        <p:txBody>
+          <a:bodyPr/>
+          <a:lstStyle/>
+          <a:p>
+            <a:endParaRPr lang="pt-BR"/>
+          </a:p>
+        </p:txBody>
+      </p:sp>
+      <p:sp>
+        <p:nvSpPr>
+          <p:cNvPr id="4" name="Espaço Reservado para Número de Slide 3"/>
+          <p:cNvSpPr>
+            <a:spLocks noGrp="1"/>
+          </p:cNvSpPr>
+          <p:nvPr>
+            <p:ph type="sldNum" sz="quarter" idx="10"/>
+          </p:nvPr>
+        </p:nvSpPr>
+        <p:spPr/>
+        <p:txBody>
+          <a:bodyPr/>
+          <a:lstStyle/>
+          <a:p>
+            <a:fld id="{463941E7-EB35-4884-B9D7-7CF822459A30}" type="slidenum">
+              <a:rPr lang="pt-BR" smtClean="0"/>
+              <a:t>32</a:t>
+            </a:fld>
+            <a:endParaRPr lang="pt-BR"/>
+          </a:p>
+        </p:txBody>
+      </p:sp>
+    </p:spTree>
+    <p:extLst>
+      <p:ext uri="{BB962C8B-B14F-4D97-AF65-F5344CB8AC3E}">
+        <p14:creationId xmlns:p14="http://schemas.microsoft.com/office/powerpoint/2010/main" val="2571167214"/>
       </p:ext>
     </p:extLst>
   </p:cSld>
@@ -1548,7 +2724,7 @@
           <a:bodyPr/>
           <a:lstStyle/>
           <a:p>
-            <a:endParaRPr lang="pt-BR" dirty="0"/>
+            <a:endParaRPr lang="pt-BR"/>
           </a:p>
         </p:txBody>
       </p:sp>
@@ -1569,7 +2745,7 @@
           <a:p>
             <a:fld id="{463941E7-EB35-4884-B9D7-7CF822459A30}" type="slidenum">
               <a:rPr lang="pt-BR" smtClean="0"/>
-              <a:t>9</a:t>
+              <a:t>4</a:t>
             </a:fld>
             <a:endParaRPr lang="pt-BR"/>
           </a:p>
@@ -1578,7 +2754,7 @@
     </p:spTree>
     <p:extLst>
       <p:ext uri="{BB962C8B-B14F-4D97-AF65-F5344CB8AC3E}">
-        <p14:creationId xmlns:p14="http://schemas.microsoft.com/office/powerpoint/2010/main" val="785986322"/>
+        <p14:creationId xmlns:p14="http://schemas.microsoft.com/office/powerpoint/2010/main" val="1201579177"/>
       </p:ext>
     </p:extLst>
   </p:cSld>
@@ -1632,7 +2808,7 @@
           <a:bodyPr/>
           <a:lstStyle/>
           <a:p>
-            <a:endParaRPr lang="pt-BR" dirty="0"/>
+            <a:endParaRPr lang="pt-BR"/>
           </a:p>
         </p:txBody>
       </p:sp>
@@ -1653,7 +2829,7 @@
           <a:p>
             <a:fld id="{463941E7-EB35-4884-B9D7-7CF822459A30}" type="slidenum">
               <a:rPr lang="pt-BR" smtClean="0"/>
-              <a:t>10</a:t>
+              <a:t>5</a:t>
             </a:fld>
             <a:endParaRPr lang="pt-BR"/>
           </a:p>
@@ -1662,7 +2838,7 @@
     </p:spTree>
     <p:extLst>
       <p:ext uri="{BB962C8B-B14F-4D97-AF65-F5344CB8AC3E}">
-        <p14:creationId xmlns:p14="http://schemas.microsoft.com/office/powerpoint/2010/main" val="2445385559"/>
+        <p14:creationId xmlns:p14="http://schemas.microsoft.com/office/powerpoint/2010/main" val="2895284432"/>
       </p:ext>
     </p:extLst>
   </p:cSld>
@@ -1737,7 +2913,7 @@
           <a:p>
             <a:fld id="{463941E7-EB35-4884-B9D7-7CF822459A30}" type="slidenum">
               <a:rPr lang="pt-BR" smtClean="0"/>
-              <a:t>11</a:t>
+              <a:t>6</a:t>
             </a:fld>
             <a:endParaRPr lang="pt-BR"/>
           </a:p>
@@ -1746,7 +2922,7 @@
     </p:spTree>
     <p:extLst>
       <p:ext uri="{BB962C8B-B14F-4D97-AF65-F5344CB8AC3E}">
-        <p14:creationId xmlns:p14="http://schemas.microsoft.com/office/powerpoint/2010/main" val="3231568235"/>
+        <p14:creationId xmlns:p14="http://schemas.microsoft.com/office/powerpoint/2010/main" val="1426869845"/>
       </p:ext>
     </p:extLst>
   </p:cSld>
@@ -1821,7 +2997,7 @@
           <a:p>
             <a:fld id="{463941E7-EB35-4884-B9D7-7CF822459A30}" type="slidenum">
               <a:rPr lang="pt-BR" smtClean="0"/>
-              <a:t>12</a:t>
+              <a:t>7</a:t>
             </a:fld>
             <a:endParaRPr lang="pt-BR"/>
           </a:p>
@@ -1830,7 +3006,7 @@
     </p:spTree>
     <p:extLst>
       <p:ext uri="{BB962C8B-B14F-4D97-AF65-F5344CB8AC3E}">
-        <p14:creationId xmlns:p14="http://schemas.microsoft.com/office/powerpoint/2010/main" val="1883096401"/>
+        <p14:creationId xmlns:p14="http://schemas.microsoft.com/office/powerpoint/2010/main" val="2046693402"/>
       </p:ext>
     </p:extLst>
   </p:cSld>
@@ -1905,7 +3081,7 @@
           <a:p>
             <a:fld id="{463941E7-EB35-4884-B9D7-7CF822459A30}" type="slidenum">
               <a:rPr lang="pt-BR" smtClean="0"/>
-              <a:t>13</a:t>
+              <a:t>8</a:t>
             </a:fld>
             <a:endParaRPr lang="pt-BR"/>
           </a:p>
@@ -1914,7 +3090,7 @@
     </p:spTree>
     <p:extLst>
       <p:ext uri="{BB962C8B-B14F-4D97-AF65-F5344CB8AC3E}">
-        <p14:creationId xmlns:p14="http://schemas.microsoft.com/office/powerpoint/2010/main" val="503574914"/>
+        <p14:creationId xmlns:p14="http://schemas.microsoft.com/office/powerpoint/2010/main" val="3966872292"/>
       </p:ext>
     </p:extLst>
   </p:cSld>
@@ -1989,7 +3165,7 @@
           <a:p>
             <a:fld id="{463941E7-EB35-4884-B9D7-7CF822459A30}" type="slidenum">
               <a:rPr lang="pt-BR" smtClean="0"/>
-              <a:t>14</a:t>
+              <a:t>9</a:t>
             </a:fld>
             <a:endParaRPr lang="pt-BR"/>
           </a:p>
@@ -1998,7 +3174,7 @@
     </p:spTree>
     <p:extLst>
       <p:ext uri="{BB962C8B-B14F-4D97-AF65-F5344CB8AC3E}">
-        <p14:creationId xmlns:p14="http://schemas.microsoft.com/office/powerpoint/2010/main" val="2784043417"/>
+        <p14:creationId xmlns:p14="http://schemas.microsoft.com/office/powerpoint/2010/main" val="785986322"/>
       </p:ext>
     </p:extLst>
   </p:cSld>
@@ -5184,29 +6360,7 @@
                   </a:schemeClr>
                 </a:solidFill>
               </a:rPr>
-              <a:t>17</a:t>
-            </a:r>
-            <a:r>
-              <a:rPr lang="pt-BR" sz="1700" dirty="0" smtClean="0">
-                <a:solidFill>
-                  <a:schemeClr val="tx1">
-                    <a:lumMod val="85000"/>
-                    <a:lumOff val="15000"/>
-                  </a:schemeClr>
-                </a:solidFill>
-              </a:rPr>
-              <a:t> </a:t>
-            </a:r>
-            <a:r>
-              <a:rPr lang="pt-BR" sz="1700" dirty="0" smtClean="0">
-                <a:solidFill>
-                  <a:schemeClr val="tx1">
-                    <a:lumMod val="85000"/>
-                    <a:lumOff val="15000"/>
-                  </a:schemeClr>
-                </a:solidFill>
-              </a:rPr>
-              <a:t>de outubro de 2019 </a:t>
+              <a:t>17 de outubro de 2019 </a:t>
             </a:r>
             <a:endParaRPr lang="pt-BR" sz="1700" dirty="0">
               <a:solidFill>
@@ -5228,7 +6382,7 @@
           <p:nvPr/>
         </p:nvPicPr>
         <p:blipFill>
-          <a:blip r:embed="rId2">
+          <a:blip r:embed="rId3">
             <a:extLst>
               <a:ext uri="{28A0092B-C50C-407E-A947-70E740481C1C}">
                 <a14:useLocalDpi xmlns:a14="http://schemas.microsoft.com/office/drawing/2010/main" val="0"/>
@@ -5316,7 +6470,157 @@
               <a:rPr lang="pt-BR" dirty="0"/>
               <a:t>Fase 2: Seleção TOS</a:t>
             </a:r>
+          </a:p>
+        </p:txBody>
+      </p:sp>
+      <p:sp>
+        <p:nvSpPr>
+          <p:cNvPr id="4" name="CaixaDeTexto 3"/>
+          <p:cNvSpPr txBox="1"/>
+          <p:nvPr/>
+        </p:nvSpPr>
+        <p:spPr>
+          <a:xfrm>
+            <a:off x="576649" y="2273643"/>
+            <a:ext cx="8435546" cy="2031325"/>
+          </a:xfrm>
+          <a:prstGeom prst="rect">
+            <a:avLst/>
+          </a:prstGeom>
+          <a:noFill/>
+        </p:spPr>
+        <p:txBody>
+          <a:bodyPr wrap="square" rtlCol="0">
+            <a:spAutoFit/>
+          </a:bodyPr>
+          <a:lstStyle/>
+          <a:p>
+            <a:r>
+              <a:rPr lang="pt-BR" dirty="0" smtClean="0"/>
+              <a:t>Três métodos de seleção foram definidos para compor o conjunto S:</a:t>
+            </a:r>
+          </a:p>
+          <a:p>
             <a:endParaRPr lang="pt-BR" dirty="0"/>
+          </a:p>
+          <a:p>
+            <a:pPr marL="342900" indent="-342900">
+              <a:buAutoNum type="arabicParenR"/>
+            </a:pPr>
+            <a:r>
+              <a:rPr lang="pt-BR" dirty="0" smtClean="0"/>
+              <a:t>Seleção Aleatória: Seleciona p TOS aleatoriamente e adiciona à S sem reposição</a:t>
+            </a:r>
+          </a:p>
+          <a:p>
+            <a:pPr marL="342900" indent="-342900">
+              <a:buAutoNum type="arabicParenR"/>
+            </a:pPr>
+            <a:endParaRPr lang="pt-BR" dirty="0"/>
+          </a:p>
+          <a:p>
+            <a:pPr marL="342900" indent="-342900">
+              <a:buAutoNum type="arabicParenR"/>
+            </a:pPr>
+            <a:r>
+              <a:rPr lang="pt-BR" dirty="0" smtClean="0"/>
+              <a:t>Seleção por Acurácia: Seleciona as p TOS com maior acurácia, tomando como medida a ROC curve, por exemplo.</a:t>
+            </a:r>
+          </a:p>
+          <a:p>
+            <a:pPr marL="342900" indent="-342900">
+              <a:buAutoNum type="arabicParenR"/>
+            </a:pPr>
+            <a:endParaRPr lang="pt-BR" dirty="0"/>
+          </a:p>
+        </p:txBody>
+      </p:sp>
+      <p:pic>
+        <p:nvPicPr>
+          <p:cNvPr id="5" name="Imagem 4"/>
+          <p:cNvPicPr>
+            <a:picLocks noChangeAspect="1"/>
+          </p:cNvPicPr>
+          <p:nvPr/>
+        </p:nvPicPr>
+        <p:blipFill>
+          <a:blip r:embed="rId3">
+            <a:extLst>
+              <a:ext uri="{28A0092B-C50C-407E-A947-70E740481C1C}">
+                <a14:useLocalDpi xmlns:a14="http://schemas.microsoft.com/office/drawing/2010/main" val="0"/>
+              </a:ext>
+            </a:extLst>
+          </a:blip>
+          <a:stretch>
+            <a:fillRect/>
+          </a:stretch>
+        </p:blipFill>
+        <p:spPr>
+          <a:xfrm>
+            <a:off x="4572000" y="3804090"/>
+            <a:ext cx="2793361" cy="500878"/>
+          </a:xfrm>
+          <a:prstGeom prst="rect">
+            <a:avLst/>
+          </a:prstGeom>
+        </p:spPr>
+      </p:pic>
+    </p:spTree>
+    <p:extLst>
+      <p:ext uri="{BB962C8B-B14F-4D97-AF65-F5344CB8AC3E}">
+        <p14:creationId xmlns:p14="http://schemas.microsoft.com/office/powerpoint/2010/main" val="2659461903"/>
+      </p:ext>
+    </p:extLst>
+  </p:cSld>
+  <p:clrMapOvr>
+    <a:masterClrMapping/>
+  </p:clrMapOvr>
+  <p:timing>
+    <p:tnLst>
+      <p:par>
+        <p:cTn id="1" dur="indefinite" restart="never" nodeType="tmRoot"/>
+      </p:par>
+    </p:tnLst>
+  </p:timing>
+</p:sld>
+</file>
+
+<file path=ppt/slides/slide11.xml><?xml version="1.0" encoding="utf-8"?>
+<p:sld xmlns:a="http://schemas.openxmlformats.org/drawingml/2006/main" xmlns:r="http://schemas.openxmlformats.org/officeDocument/2006/relationships" xmlns:p="http://schemas.openxmlformats.org/presentationml/2006/main">
+  <p:cSld>
+    <p:spTree>
+      <p:nvGrpSpPr>
+        <p:cNvPr id="1" name=""/>
+        <p:cNvGrpSpPr/>
+        <p:nvPr/>
+      </p:nvGrpSpPr>
+      <p:grpSpPr>
+        <a:xfrm>
+          <a:off x="0" y="0"/>
+          <a:ext cx="0" cy="0"/>
+          <a:chOff x="0" y="0"/>
+          <a:chExt cx="0" cy="0"/>
+        </a:xfrm>
+      </p:grpSpPr>
+      <p:sp>
+        <p:nvSpPr>
+          <p:cNvPr id="3" name="Título 2"/>
+          <p:cNvSpPr>
+            <a:spLocks noGrp="1"/>
+          </p:cNvSpPr>
+          <p:nvPr>
+            <p:ph type="title"/>
+          </p:nvPr>
+        </p:nvSpPr>
+        <p:spPr/>
+        <p:txBody>
+          <a:bodyPr/>
+          <a:lstStyle/>
+          <a:p>
+            <a:r>
+              <a:rPr lang="pt-BR" dirty="0"/>
+              <a:t>Fase 2: Seleção TOS</a:t>
+            </a:r>
           </a:p>
         </p:txBody>
       </p:sp>
@@ -5607,158 +6911,6 @@
 </p:sld>
 </file>
 
-<file path=ppt/slides/slide11.xml><?xml version="1.0" encoding="utf-8"?>
-<p:sld xmlns:a="http://schemas.openxmlformats.org/drawingml/2006/main" xmlns:r="http://schemas.openxmlformats.org/officeDocument/2006/relationships" xmlns:p="http://schemas.openxmlformats.org/presentationml/2006/main">
-  <p:cSld>
-    <p:spTree>
-      <p:nvGrpSpPr>
-        <p:cNvPr id="1" name=""/>
-        <p:cNvGrpSpPr/>
-        <p:nvPr/>
-      </p:nvGrpSpPr>
-      <p:grpSpPr>
-        <a:xfrm>
-          <a:off x="0" y="0"/>
-          <a:ext cx="0" cy="0"/>
-          <a:chOff x="0" y="0"/>
-          <a:chExt cx="0" cy="0"/>
-        </a:xfrm>
-      </p:grpSpPr>
-      <p:sp>
-        <p:nvSpPr>
-          <p:cNvPr id="3" name="Título 2"/>
-          <p:cNvSpPr>
-            <a:spLocks noGrp="1"/>
-          </p:cNvSpPr>
-          <p:nvPr>
-            <p:ph type="title"/>
-          </p:nvPr>
-        </p:nvSpPr>
-        <p:spPr/>
-        <p:txBody>
-          <a:bodyPr/>
-          <a:lstStyle/>
-          <a:p>
-            <a:r>
-              <a:rPr lang="pt-BR" dirty="0"/>
-              <a:t>Fase 2: Seleção TOS</a:t>
-            </a:r>
-            <a:endParaRPr lang="pt-BR" dirty="0"/>
-          </a:p>
-        </p:txBody>
-      </p:sp>
-      <p:sp>
-        <p:nvSpPr>
-          <p:cNvPr id="4" name="CaixaDeTexto 3"/>
-          <p:cNvSpPr txBox="1"/>
-          <p:nvPr/>
-        </p:nvSpPr>
-        <p:spPr>
-          <a:xfrm>
-            <a:off x="576649" y="2273643"/>
-            <a:ext cx="8435546" cy="2031325"/>
-          </a:xfrm>
-          <a:prstGeom prst="rect">
-            <a:avLst/>
-          </a:prstGeom>
-          <a:noFill/>
-        </p:spPr>
-        <p:txBody>
-          <a:bodyPr wrap="square" rtlCol="0">
-            <a:spAutoFit/>
-          </a:bodyPr>
-          <a:lstStyle/>
-          <a:p>
-            <a:r>
-              <a:rPr lang="pt-BR" dirty="0" smtClean="0"/>
-              <a:t>Três métodos de seleção foram definidos para compor o conjunto S:</a:t>
-            </a:r>
-          </a:p>
-          <a:p>
-            <a:endParaRPr lang="pt-BR" dirty="0"/>
-          </a:p>
-          <a:p>
-            <a:pPr marL="342900" indent="-342900">
-              <a:buAutoNum type="arabicParenR"/>
-            </a:pPr>
-            <a:r>
-              <a:rPr lang="pt-BR" dirty="0" smtClean="0"/>
-              <a:t>Seleção Aleatória: Seleciona p TOS aleatoriamente e adiciona à S sem reposição</a:t>
-            </a:r>
-          </a:p>
-          <a:p>
-            <a:pPr marL="342900" indent="-342900">
-              <a:buAutoNum type="arabicParenR"/>
-            </a:pPr>
-            <a:endParaRPr lang="pt-BR" dirty="0"/>
-          </a:p>
-          <a:p>
-            <a:pPr marL="342900" indent="-342900">
-              <a:buAutoNum type="arabicParenR"/>
-            </a:pPr>
-            <a:r>
-              <a:rPr lang="pt-BR" dirty="0" smtClean="0"/>
-              <a:t>Seleção por Acurácia: Seleciona as p TOS com maior acurácia, tomando como medida a ROC curve, por exemplo.</a:t>
-            </a:r>
-          </a:p>
-          <a:p>
-            <a:pPr marL="342900" indent="-342900">
-              <a:buAutoNum type="arabicParenR"/>
-            </a:pPr>
-            <a:endParaRPr lang="pt-BR" dirty="0"/>
-          </a:p>
-        </p:txBody>
-      </p:sp>
-      <p:pic>
-        <p:nvPicPr>
-          <p:cNvPr id="5" name="Imagem 4"/>
-          <p:cNvPicPr>
-            <a:picLocks noChangeAspect="1"/>
-          </p:cNvPicPr>
-          <p:nvPr/>
-        </p:nvPicPr>
-        <p:blipFill>
-          <a:blip r:embed="rId3">
-            <a:extLst>
-              <a:ext uri="{28A0092B-C50C-407E-A947-70E740481C1C}">
-                <a14:useLocalDpi xmlns:a14="http://schemas.microsoft.com/office/drawing/2010/main" val="0"/>
-              </a:ext>
-            </a:extLst>
-          </a:blip>
-          <a:stretch>
-            <a:fillRect/>
-          </a:stretch>
-        </p:blipFill>
-        <p:spPr>
-          <a:xfrm>
-            <a:off x="4572000" y="3804090"/>
-            <a:ext cx="2793361" cy="500878"/>
-          </a:xfrm>
-          <a:prstGeom prst="rect">
-            <a:avLst/>
-          </a:prstGeom>
-        </p:spPr>
-      </p:pic>
-    </p:spTree>
-    <p:extLst>
-      <p:ext uri="{BB962C8B-B14F-4D97-AF65-F5344CB8AC3E}">
-        <p14:creationId xmlns:p14="http://schemas.microsoft.com/office/powerpoint/2010/main" val="2659461903"/>
-      </p:ext>
-    </p:extLst>
-  </p:cSld>
-  <p:clrMapOvr>
-    <a:masterClrMapping/>
-  </p:clrMapOvr>
-  <p:timing>
-    <p:tnLst>
-      <p:par>
-        <p:cTn id="1" dur="indefinite" restart="never" nodeType="tmRoot"/>
-      </p:par>
-    </p:tnLst>
-  </p:timing>
-</p:sld>
-</file>
-
 <file path=ppt/slides/slide12.xml><?xml version="1.0" encoding="utf-8"?>
 <p:sld xmlns:a="http://schemas.openxmlformats.org/drawingml/2006/main" xmlns:r="http://schemas.openxmlformats.org/officeDocument/2006/relationships" xmlns:p="http://schemas.openxmlformats.org/presentationml/2006/main">
   <p:cSld>
@@ -5831,7 +6983,15 @@
             </a:r>
             <a:r>
               <a:rPr lang="pt-BR" dirty="0"/>
-              <a:t>cada                           uma seleção de TOS é realizada baseada na Seleção Precisa     e para melhorar a diversidade em S, uma função que desconta acurácia é aplicada:</a:t>
+              <a:t>cada                           uma seleção de TOS é realizada baseada na Seleção Precisa  </a:t>
+            </a:r>
+            <a:r>
+              <a:rPr lang="pt-BR" dirty="0" smtClean="0"/>
+              <a:t>e </a:t>
+            </a:r>
+            <a:r>
+              <a:rPr lang="pt-BR" dirty="0"/>
+              <a:t>para melhorar a diversidade em S, uma função que desconta acurácia é aplicada:</a:t>
             </a:r>
           </a:p>
           <a:p>
@@ -6015,7 +7175,6 @@
               <a:rPr lang="pt-BR" dirty="0"/>
               <a:t>Fase 2: Seleção TOS</a:t>
             </a:r>
-            <a:endParaRPr lang="pt-BR" dirty="0"/>
           </a:p>
         </p:txBody>
       </p:sp>
@@ -6105,7 +7264,6 @@
               <a:rPr lang="pt-BR" dirty="0"/>
               <a:t>Fase 2: Seleção TOS</a:t>
             </a:r>
-            <a:endParaRPr lang="pt-BR" dirty="0"/>
           </a:p>
         </p:txBody>
       </p:sp>
@@ -7129,7 +8287,7 @@
           <p:nvPr/>
         </p:nvPicPr>
         <p:blipFill>
-          <a:blip r:embed="rId2">
+          <a:blip r:embed="rId3">
             <a:extLst>
               <a:ext uri="{28A0092B-C50C-407E-A947-70E740481C1C}">
                 <a14:useLocalDpi xmlns:a14="http://schemas.microsoft.com/office/drawing/2010/main" val="0"/>
@@ -8013,7 +9171,7 @@
           <p:nvPr/>
         </p:nvPicPr>
         <p:blipFill>
-          <a:blip r:embed="rId2">
+          <a:blip r:embed="rId3">
             <a:extLst>
               <a:ext uri="{28A0092B-C50C-407E-A947-70E740481C1C}">
                 <a14:useLocalDpi xmlns:a14="http://schemas.microsoft.com/office/drawing/2010/main" val="0"/>
@@ -8227,7 +9385,6 @@
               <a:rPr lang="pt-BR" dirty="0"/>
               <a:t>Fase 1: Representação do Aprendizado não-supervisionado</a:t>
             </a:r>
-            <a:endParaRPr lang="pt-BR" dirty="0"/>
           </a:p>
         </p:txBody>
       </p:sp>
@@ -8643,7 +9800,6 @@
               <a:rPr lang="pt-BR" dirty="0"/>
               <a:t>Fase 1: Representação do Aprendizado não-supervisionado</a:t>
             </a:r>
-            <a:endParaRPr lang="pt-BR" dirty="0"/>
           </a:p>
         </p:txBody>
       </p:sp>
